--- a/CarShop25/Презентация_Магазин_за_коли.pptx
+++ b/CarShop25/Презентация_Магазин_за_коли.pptx
@@ -111,6 +111,22 @@
       </a:defRPr>
     </a:lvl9pPr>
   </p:defaultTextStyle>
+  <p:extLst>
+    <p:ext uri="{EFAFB233-063F-42B5-8137-9DF3F51BA10A}">
+      <p15:sldGuideLst xmlns:p15="http://schemas.microsoft.com/office/powerpoint/2012/main">
+        <p15:guide id="1" orient="horz" pos="2228" userDrawn="1">
+          <p15:clr>
+            <a:srgbClr val="A4A3A4"/>
+          </p15:clr>
+        </p15:guide>
+        <p15:guide id="2" pos="2880">
+          <p15:clr>
+            <a:srgbClr val="A4A3A4"/>
+          </p15:clr>
+        </p15:guide>
+      </p15:sldGuideLst>
+    </p:ext>
+  </p:extLst>
 </p:presentation>
 </file>
 
@@ -295,7 +311,7 @@
           <a:p>
             <a:fld id="{5BCAD085-E8A6-8845-BD4E-CB4CCA059FC4}" type="datetimeFigureOut">
               <a:rPr lang="en-US" smtClean="0"/>
-              <a:t>5/10/2025</a:t>
+              <a:t>5/11/2025</a:t>
             </a:fld>
             <a:endParaRPr lang="en-US"/>
           </a:p>
@@ -465,7 +481,7 @@
           <a:p>
             <a:fld id="{5BCAD085-E8A6-8845-BD4E-CB4CCA059FC4}" type="datetimeFigureOut">
               <a:rPr lang="en-US" smtClean="0"/>
-              <a:t>5/10/2025</a:t>
+              <a:t>5/11/2025</a:t>
             </a:fld>
             <a:endParaRPr lang="en-US"/>
           </a:p>
@@ -645,7 +661,7 @@
           <a:p>
             <a:fld id="{5BCAD085-E8A6-8845-BD4E-CB4CCA059FC4}" type="datetimeFigureOut">
               <a:rPr lang="en-US" smtClean="0"/>
-              <a:t>5/10/2025</a:t>
+              <a:t>5/11/2025</a:t>
             </a:fld>
             <a:endParaRPr lang="en-US"/>
           </a:p>
@@ -815,7 +831,7 @@
           <a:p>
             <a:fld id="{5BCAD085-E8A6-8845-BD4E-CB4CCA059FC4}" type="datetimeFigureOut">
               <a:rPr lang="en-US" smtClean="0"/>
-              <a:t>5/10/2025</a:t>
+              <a:t>5/11/2025</a:t>
             </a:fld>
             <a:endParaRPr lang="en-US"/>
           </a:p>
@@ -1061,7 +1077,7 @@
           <a:p>
             <a:fld id="{5BCAD085-E8A6-8845-BD4E-CB4CCA059FC4}" type="datetimeFigureOut">
               <a:rPr lang="en-US" smtClean="0"/>
-              <a:t>5/10/2025</a:t>
+              <a:t>5/11/2025</a:t>
             </a:fld>
             <a:endParaRPr lang="en-US"/>
           </a:p>
@@ -1349,7 +1365,7 @@
           <a:p>
             <a:fld id="{5BCAD085-E8A6-8845-BD4E-CB4CCA059FC4}" type="datetimeFigureOut">
               <a:rPr lang="en-US" smtClean="0"/>
-              <a:t>5/10/2025</a:t>
+              <a:t>5/11/2025</a:t>
             </a:fld>
             <a:endParaRPr lang="en-US"/>
           </a:p>
@@ -1771,7 +1787,7 @@
           <a:p>
             <a:fld id="{5BCAD085-E8A6-8845-BD4E-CB4CCA059FC4}" type="datetimeFigureOut">
               <a:rPr lang="en-US" smtClean="0"/>
-              <a:t>5/10/2025</a:t>
+              <a:t>5/11/2025</a:t>
             </a:fld>
             <a:endParaRPr lang="en-US"/>
           </a:p>
@@ -1889,7 +1905,7 @@
           <a:p>
             <a:fld id="{5BCAD085-E8A6-8845-BD4E-CB4CCA059FC4}" type="datetimeFigureOut">
               <a:rPr lang="en-US" smtClean="0"/>
-              <a:t>5/10/2025</a:t>
+              <a:t>5/11/2025</a:t>
             </a:fld>
             <a:endParaRPr lang="en-US"/>
           </a:p>
@@ -1984,7 +2000,7 @@
           <a:p>
             <a:fld id="{5BCAD085-E8A6-8845-BD4E-CB4CCA059FC4}" type="datetimeFigureOut">
               <a:rPr lang="en-US" smtClean="0"/>
-              <a:t>5/10/2025</a:t>
+              <a:t>5/11/2025</a:t>
             </a:fld>
             <a:endParaRPr lang="en-US"/>
           </a:p>
@@ -2261,7 +2277,7 @@
           <a:p>
             <a:fld id="{5BCAD085-E8A6-8845-BD4E-CB4CCA059FC4}" type="datetimeFigureOut">
               <a:rPr lang="en-US" smtClean="0"/>
-              <a:t>5/10/2025</a:t>
+              <a:t>5/11/2025</a:t>
             </a:fld>
             <a:endParaRPr lang="en-US"/>
           </a:p>
@@ -2514,7 +2530,7 @@
           <a:p>
             <a:fld id="{5BCAD085-E8A6-8845-BD4E-CB4CCA059FC4}" type="datetimeFigureOut">
               <a:rPr lang="en-US" smtClean="0"/>
-              <a:t>5/10/2025</a:t>
+              <a:t>5/11/2025</a:t>
             </a:fld>
             <a:endParaRPr lang="en-US"/>
           </a:p>
@@ -2727,7 +2743,7 @@
           <a:p>
             <a:fld id="{5BCAD085-E8A6-8845-BD4E-CB4CCA059FC4}" type="datetimeFigureOut">
               <a:rPr lang="en-US" smtClean="0"/>
-              <a:t>5/10/2025</a:t>
+              <a:t>5/11/2025</a:t>
             </a:fld>
             <a:endParaRPr lang="en-US"/>
           </a:p>
@@ -3118,8 +3134,42 @@
           <a:lstStyle/>
           <a:p>
             <a:r>
-              <a:t>Магазин за продажба на коли</a:t>
-            </a:r>
+              <a:rPr dirty="0" err="1"/>
+              <a:t>Магазин</a:t>
+            </a:r>
+            <a:r>
+              <a:rPr dirty="0"/>
+              <a:t> </a:t>
+            </a:r>
+            <a:r>
+              <a:rPr dirty="0" err="1"/>
+              <a:t>за</a:t>
+            </a:r>
+            <a:r>
+              <a:rPr dirty="0"/>
+              <a:t> </a:t>
+            </a:r>
+            <a:r>
+              <a:rPr dirty="0" err="1"/>
+              <a:t>продажба</a:t>
+            </a:r>
+            <a:r>
+              <a:rPr dirty="0"/>
+              <a:t> </a:t>
+            </a:r>
+            <a:r>
+              <a:rPr dirty="0" err="1"/>
+              <a:t>на</a:t>
+            </a:r>
+            <a:r>
+              <a:rPr dirty="0"/>
+              <a:t> </a:t>
+            </a:r>
+            <a:r>
+              <a:rPr lang="bg-BG" dirty="0" smtClean="0"/>
+              <a:t>автомобили</a:t>
+            </a:r>
+            <a:endParaRPr dirty="0"/>
           </a:p>
         </p:txBody>
       </p:sp>
@@ -3141,17 +3191,41 @@
         </p:spPr>
         <p:txBody>
           <a:bodyPr>
-            <a:normAutofit fontScale="77500" lnSpcReduction="20000"/>
+            <a:normAutofit fontScale="70000" lnSpcReduction="20000"/>
           </a:bodyPr>
           <a:lstStyle/>
           <a:p>
+            <a:r>
+              <a:rPr lang="en-US" dirty="0" smtClean="0">
+                <a:solidFill>
+                  <a:schemeClr val="tx1"/>
+                </a:solidFill>
+              </a:rPr>
+              <a:t> </a:t>
+            </a:r>
             <a:r>
               <a:rPr lang="bg-BG" dirty="0" smtClean="0">
                 <a:solidFill>
                   <a:schemeClr val="tx1"/>
                 </a:solidFill>
               </a:rPr>
-              <a:t>Виктор Дичков Иванов</a:t>
+              <a:t>от </a:t>
+            </a:r>
+            <a:r>
+              <a:rPr lang="bg-BG" dirty="0" smtClean="0">
+                <a:solidFill>
+                  <a:schemeClr val="tx1"/>
+                </a:solidFill>
+              </a:rPr>
+              <a:t>Виктор </a:t>
+            </a:r>
+            <a:r>
+              <a:rPr lang="bg-BG" dirty="0" smtClean="0">
+                <a:solidFill>
+                  <a:schemeClr val="tx1"/>
+                </a:solidFill>
+              </a:rPr>
+              <a:t>Дичков Иванов</a:t>
             </a:r>
             <a:endParaRPr dirty="0">
               <a:solidFill>
@@ -3659,23 +3733,100 @@
           <a:lstStyle/>
           <a:p>
             <a:r>
-              <a:t>- Автоматизация на процесите</a:t>
-            </a:r>
-          </a:p>
-          <a:p>
-            <a:r>
-              <a:t>- Намаляване на човешки грешки</a:t>
-            </a:r>
-          </a:p>
-          <a:p>
-            <a:r>
-              <a:t>- По-бързо обслужване на клиенти</a:t>
-            </a:r>
-          </a:p>
-          <a:p>
-            <a:r>
-              <a:t>- Статистика и отчети</a:t>
-            </a:r>
+              <a:rPr dirty="0"/>
+              <a:t>- </a:t>
+            </a:r>
+            <a:r>
+              <a:rPr dirty="0" err="1"/>
+              <a:t>Автоматизация</a:t>
+            </a:r>
+            <a:r>
+              <a:rPr dirty="0"/>
+              <a:t> </a:t>
+            </a:r>
+            <a:r>
+              <a:rPr dirty="0" err="1"/>
+              <a:t>на</a:t>
+            </a:r>
+            <a:r>
+              <a:rPr dirty="0"/>
+              <a:t> </a:t>
+            </a:r>
+            <a:r>
+              <a:rPr dirty="0" err="1"/>
+              <a:t>процесите</a:t>
+            </a:r>
+            <a:endParaRPr dirty="0"/>
+          </a:p>
+          <a:p>
+            <a:r>
+              <a:rPr dirty="0"/>
+              <a:t>- </a:t>
+            </a:r>
+            <a:r>
+              <a:rPr dirty="0" err="1"/>
+              <a:t>Намаляване</a:t>
+            </a:r>
+            <a:r>
+              <a:rPr dirty="0"/>
+              <a:t> </a:t>
+            </a:r>
+            <a:r>
+              <a:rPr dirty="0" err="1"/>
+              <a:t>на</a:t>
+            </a:r>
+            <a:r>
+              <a:rPr dirty="0"/>
+              <a:t> </a:t>
+            </a:r>
+            <a:r>
+              <a:rPr dirty="0" err="1"/>
+              <a:t>човешки</a:t>
+            </a:r>
+            <a:r>
+              <a:rPr dirty="0"/>
+              <a:t> </a:t>
+            </a:r>
+            <a:r>
+              <a:rPr dirty="0" err="1"/>
+              <a:t>грешки</a:t>
+            </a:r>
+            <a:endParaRPr dirty="0"/>
+          </a:p>
+          <a:p>
+            <a:r>
+              <a:rPr dirty="0"/>
+              <a:t>- </a:t>
+            </a:r>
+            <a:r>
+              <a:rPr dirty="0" err="1"/>
+              <a:t>По-бързо</a:t>
+            </a:r>
+            <a:r>
+              <a:rPr dirty="0"/>
+              <a:t> </a:t>
+            </a:r>
+            <a:r>
+              <a:rPr dirty="0" err="1"/>
+              <a:t>обслужване</a:t>
+            </a:r>
+            <a:r>
+              <a:rPr dirty="0"/>
+              <a:t> </a:t>
+            </a:r>
+            <a:r>
+              <a:rPr dirty="0" err="1"/>
+              <a:t>на</a:t>
+            </a:r>
+            <a:r>
+              <a:rPr dirty="0"/>
+              <a:t> </a:t>
+            </a:r>
+            <a:r>
+              <a:rPr dirty="0" err="1" smtClean="0"/>
+              <a:t>клиенти</a:t>
+            </a:r>
+            <a:endParaRPr dirty="0"/>
           </a:p>
         </p:txBody>
       </p:sp>
